--- a/자바프로젝트 20231114.pptx
+++ b/자바프로젝트 20231114.pptx
@@ -14,6 +14,7 @@
     <p:sldId id="264" r:id="rId8"/>
     <p:sldId id="266" r:id="rId9"/>
     <p:sldId id="265" r:id="rId10"/>
+    <p:sldId id="268" r:id="rId11"/>
   </p:sldIdLst>
   <p:sldSz cx="12192000" cy="6858000"/>
   <p:notesSz cx="6858000" cy="9144000"/>
@@ -267,7 +268,7 @@
           <a:p>
             <a:fld id="{ED49C621-72C5-4BC8-A3FE-4B6BFD0E0D4C}" type="datetimeFigureOut">
               <a:rPr lang="ko-KR" altLang="en-US" smtClean="0"/>
-              <a:t>2023-11-14</a:t>
+              <a:t>2023-11-18</a:t>
             </a:fld>
             <a:endParaRPr lang="ko-KR" altLang="en-US"/>
           </a:p>
@@ -465,7 +466,7 @@
           <a:p>
             <a:fld id="{ED49C621-72C5-4BC8-A3FE-4B6BFD0E0D4C}" type="datetimeFigureOut">
               <a:rPr lang="ko-KR" altLang="en-US" smtClean="0"/>
-              <a:t>2023-11-14</a:t>
+              <a:t>2023-11-18</a:t>
             </a:fld>
             <a:endParaRPr lang="ko-KR" altLang="en-US"/>
           </a:p>
@@ -673,7 +674,7 @@
           <a:p>
             <a:fld id="{ED49C621-72C5-4BC8-A3FE-4B6BFD0E0D4C}" type="datetimeFigureOut">
               <a:rPr lang="ko-KR" altLang="en-US" smtClean="0"/>
-              <a:t>2023-11-14</a:t>
+              <a:t>2023-11-18</a:t>
             </a:fld>
             <a:endParaRPr lang="ko-KR" altLang="en-US"/>
           </a:p>
@@ -871,7 +872,7 @@
           <a:p>
             <a:fld id="{ED49C621-72C5-4BC8-A3FE-4B6BFD0E0D4C}" type="datetimeFigureOut">
               <a:rPr lang="ko-KR" altLang="en-US" smtClean="0"/>
-              <a:t>2023-11-14</a:t>
+              <a:t>2023-11-18</a:t>
             </a:fld>
             <a:endParaRPr lang="ko-KR" altLang="en-US"/>
           </a:p>
@@ -1146,7 +1147,7 @@
           <a:p>
             <a:fld id="{ED49C621-72C5-4BC8-A3FE-4B6BFD0E0D4C}" type="datetimeFigureOut">
               <a:rPr lang="ko-KR" altLang="en-US" smtClean="0"/>
-              <a:t>2023-11-14</a:t>
+              <a:t>2023-11-18</a:t>
             </a:fld>
             <a:endParaRPr lang="ko-KR" altLang="en-US"/>
           </a:p>
@@ -1411,7 +1412,7 @@
           <a:p>
             <a:fld id="{ED49C621-72C5-4BC8-A3FE-4B6BFD0E0D4C}" type="datetimeFigureOut">
               <a:rPr lang="ko-KR" altLang="en-US" smtClean="0"/>
-              <a:t>2023-11-14</a:t>
+              <a:t>2023-11-18</a:t>
             </a:fld>
             <a:endParaRPr lang="ko-KR" altLang="en-US"/>
           </a:p>
@@ -1823,7 +1824,7 @@
           <a:p>
             <a:fld id="{ED49C621-72C5-4BC8-A3FE-4B6BFD0E0D4C}" type="datetimeFigureOut">
               <a:rPr lang="ko-KR" altLang="en-US" smtClean="0"/>
-              <a:t>2023-11-14</a:t>
+              <a:t>2023-11-18</a:t>
             </a:fld>
             <a:endParaRPr lang="ko-KR" altLang="en-US"/>
           </a:p>
@@ -1964,7 +1965,7 @@
           <a:p>
             <a:fld id="{ED49C621-72C5-4BC8-A3FE-4B6BFD0E0D4C}" type="datetimeFigureOut">
               <a:rPr lang="ko-KR" altLang="en-US" smtClean="0"/>
-              <a:t>2023-11-14</a:t>
+              <a:t>2023-11-18</a:t>
             </a:fld>
             <a:endParaRPr lang="ko-KR" altLang="en-US"/>
           </a:p>
@@ -2077,7 +2078,7 @@
           <a:p>
             <a:fld id="{ED49C621-72C5-4BC8-A3FE-4B6BFD0E0D4C}" type="datetimeFigureOut">
               <a:rPr lang="ko-KR" altLang="en-US" smtClean="0"/>
-              <a:t>2023-11-14</a:t>
+              <a:t>2023-11-18</a:t>
             </a:fld>
             <a:endParaRPr lang="ko-KR" altLang="en-US"/>
           </a:p>
@@ -2388,7 +2389,7 @@
           <a:p>
             <a:fld id="{ED49C621-72C5-4BC8-A3FE-4B6BFD0E0D4C}" type="datetimeFigureOut">
               <a:rPr lang="ko-KR" altLang="en-US" smtClean="0"/>
-              <a:t>2023-11-14</a:t>
+              <a:t>2023-11-18</a:t>
             </a:fld>
             <a:endParaRPr lang="ko-KR" altLang="en-US"/>
           </a:p>
@@ -2676,7 +2677,7 @@
           <a:p>
             <a:fld id="{ED49C621-72C5-4BC8-A3FE-4B6BFD0E0D4C}" type="datetimeFigureOut">
               <a:rPr lang="ko-KR" altLang="en-US" smtClean="0"/>
-              <a:t>2023-11-14</a:t>
+              <a:t>2023-11-18</a:t>
             </a:fld>
             <a:endParaRPr lang="ko-KR" altLang="en-US"/>
           </a:p>
@@ -2917,7 +2918,7 @@
           <a:p>
             <a:fld id="{ED49C621-72C5-4BC8-A3FE-4B6BFD0E0D4C}" type="datetimeFigureOut">
               <a:rPr lang="ko-KR" altLang="en-US" smtClean="0"/>
-              <a:t>2023-11-14</a:t>
+              <a:t>2023-11-18</a:t>
             </a:fld>
             <a:endParaRPr lang="ko-KR" altLang="en-US"/>
           </a:p>
@@ -3368,6 +3369,2009 @@
     <p:extLst>
       <p:ext uri="{BB962C8B-B14F-4D97-AF65-F5344CB8AC3E}">
         <p14:creationId xmlns:p14="http://schemas.microsoft.com/office/powerpoint/2010/main" val="426525644"/>
+      </p:ext>
+    </p:extLst>
+  </p:cSld>
+  <p:clrMapOvr>
+    <a:masterClrMapping/>
+  </p:clrMapOvr>
+</p:sld>
+</file>
+
+<file path=ppt/slides/slide10.xml><?xml version="1.0" encoding="utf-8"?>
+<p:sld xmlns:a="http://schemas.openxmlformats.org/drawingml/2006/main" xmlns:r="http://schemas.openxmlformats.org/officeDocument/2006/relationships" xmlns:p="http://schemas.openxmlformats.org/presentationml/2006/main">
+  <p:cSld>
+    <p:spTree>
+      <p:nvGrpSpPr>
+        <p:cNvPr id="1" name=""/>
+        <p:cNvGrpSpPr/>
+        <p:nvPr/>
+      </p:nvGrpSpPr>
+      <p:grpSpPr>
+        <a:xfrm>
+          <a:off x="0" y="0"/>
+          <a:ext cx="0" cy="0"/>
+          <a:chOff x="0" y="0"/>
+          <a:chExt cx="0" cy="0"/>
+        </a:xfrm>
+      </p:grpSpPr>
+      <p:sp>
+        <p:nvSpPr>
+          <p:cNvPr id="4" name="직사각형 3">
+            <a:extLst>
+              <a:ext uri="{FF2B5EF4-FFF2-40B4-BE49-F238E27FC236}">
+                <a16:creationId xmlns:a16="http://schemas.microsoft.com/office/drawing/2014/main" id="{EB72D490-9AFA-465B-A1D1-D650B70F41D7}"/>
+              </a:ext>
+            </a:extLst>
+          </p:cNvPr>
+          <p:cNvSpPr/>
+          <p:nvPr/>
+        </p:nvSpPr>
+        <p:spPr>
+          <a:xfrm>
+            <a:off x="297951" y="179798"/>
+            <a:ext cx="1695236" cy="647272"/>
+          </a:xfrm>
+          <a:prstGeom prst="rect">
+            <a:avLst/>
+          </a:prstGeom>
+        </p:spPr>
+        <p:style>
+          <a:lnRef idx="2">
+            <a:schemeClr val="accent1">
+              <a:shade val="50000"/>
+            </a:schemeClr>
+          </a:lnRef>
+          <a:fillRef idx="1">
+            <a:schemeClr val="accent1"/>
+          </a:fillRef>
+          <a:effectRef idx="0">
+            <a:schemeClr val="accent1"/>
+          </a:effectRef>
+          <a:fontRef idx="minor">
+            <a:schemeClr val="lt1"/>
+          </a:fontRef>
+        </p:style>
+        <p:txBody>
+          <a:bodyPr rtlCol="0" anchor="ctr"/>
+          <a:lstStyle/>
+          <a:p>
+            <a:pPr algn="ctr"/>
+            <a:r>
+              <a:rPr lang="en-US" altLang="ko-KR" dirty="0"/>
+              <a:t>main</a:t>
+            </a:r>
+            <a:endParaRPr lang="ko-KR" altLang="en-US" dirty="0"/>
+          </a:p>
+        </p:txBody>
+      </p:sp>
+      <p:grpSp>
+        <p:nvGrpSpPr>
+          <p:cNvPr id="68" name="그룹 67">
+            <a:extLst>
+              <a:ext uri="{FF2B5EF4-FFF2-40B4-BE49-F238E27FC236}">
+                <a16:creationId xmlns:a16="http://schemas.microsoft.com/office/drawing/2014/main" id="{D100AD38-30C6-43BE-8371-1938DF7A9D11}"/>
+              </a:ext>
+            </a:extLst>
+          </p:cNvPr>
+          <p:cNvGrpSpPr/>
+          <p:nvPr/>
+        </p:nvGrpSpPr>
+        <p:grpSpPr>
+          <a:xfrm>
+            <a:off x="2837382" y="2628472"/>
+            <a:ext cx="4234667" cy="647272"/>
+            <a:chOff x="2837382" y="2628472"/>
+            <a:chExt cx="4234667" cy="647272"/>
+          </a:xfrm>
+        </p:grpSpPr>
+        <p:sp>
+          <p:nvSpPr>
+            <p:cNvPr id="6" name="직사각형 5">
+              <a:extLst>
+                <a:ext uri="{FF2B5EF4-FFF2-40B4-BE49-F238E27FC236}">
+                  <a16:creationId xmlns:a16="http://schemas.microsoft.com/office/drawing/2014/main" id="{EBAA061B-2DB4-42BF-A147-1AFAFC8D209F}"/>
+                </a:ext>
+              </a:extLst>
+            </p:cNvPr>
+            <p:cNvSpPr/>
+            <p:nvPr/>
+          </p:nvSpPr>
+          <p:spPr>
+            <a:xfrm>
+              <a:off x="2837382" y="2628472"/>
+              <a:ext cx="1695236" cy="647272"/>
+            </a:xfrm>
+            <a:prstGeom prst="rect">
+              <a:avLst/>
+            </a:prstGeom>
+          </p:spPr>
+          <p:style>
+            <a:lnRef idx="2">
+              <a:schemeClr val="accent1">
+                <a:shade val="50000"/>
+              </a:schemeClr>
+            </a:lnRef>
+            <a:fillRef idx="1">
+              <a:schemeClr val="accent1"/>
+            </a:fillRef>
+            <a:effectRef idx="0">
+              <a:schemeClr val="accent1"/>
+            </a:effectRef>
+            <a:fontRef idx="minor">
+              <a:schemeClr val="lt1"/>
+            </a:fontRef>
+          </p:style>
+          <p:txBody>
+            <a:bodyPr rtlCol="0" anchor="ctr"/>
+            <a:lstStyle/>
+            <a:p>
+              <a:pPr algn="ctr"/>
+              <a:r>
+                <a:rPr lang="en-US" altLang="ko-KR" dirty="0" err="1"/>
+                <a:t>BasketGUI</a:t>
+              </a:r>
+              <a:endParaRPr lang="ko-KR" altLang="en-US" dirty="0"/>
+            </a:p>
+          </p:txBody>
+        </p:sp>
+        <p:sp>
+          <p:nvSpPr>
+            <p:cNvPr id="12" name="직사각형 11">
+              <a:extLst>
+                <a:ext uri="{FF2B5EF4-FFF2-40B4-BE49-F238E27FC236}">
+                  <a16:creationId xmlns:a16="http://schemas.microsoft.com/office/drawing/2014/main" id="{5C0DA275-1228-42C0-8F05-2CA5DE769018}"/>
+                </a:ext>
+              </a:extLst>
+            </p:cNvPr>
+            <p:cNvSpPr/>
+            <p:nvPr/>
+          </p:nvSpPr>
+          <p:spPr>
+            <a:xfrm>
+              <a:off x="5376813" y="2628472"/>
+              <a:ext cx="1695236" cy="647272"/>
+            </a:xfrm>
+            <a:prstGeom prst="rect">
+              <a:avLst/>
+            </a:prstGeom>
+          </p:spPr>
+          <p:style>
+            <a:lnRef idx="2">
+              <a:schemeClr val="accent1">
+                <a:shade val="50000"/>
+              </a:schemeClr>
+            </a:lnRef>
+            <a:fillRef idx="1">
+              <a:schemeClr val="accent1"/>
+            </a:fillRef>
+            <a:effectRef idx="0">
+              <a:schemeClr val="accent1"/>
+            </a:effectRef>
+            <a:fontRef idx="minor">
+              <a:schemeClr val="lt1"/>
+            </a:fontRef>
+          </p:style>
+          <p:txBody>
+            <a:bodyPr rtlCol="0" anchor="ctr"/>
+            <a:lstStyle/>
+            <a:p>
+              <a:pPr algn="ctr"/>
+              <a:r>
+                <a:rPr lang="en-US" altLang="ko-KR" dirty="0" err="1"/>
+                <a:t>BasketList</a:t>
+              </a:r>
+              <a:endParaRPr lang="ko-KR" altLang="en-US" dirty="0"/>
+            </a:p>
+          </p:txBody>
+        </p:sp>
+      </p:grpSp>
+      <p:grpSp>
+        <p:nvGrpSpPr>
+          <p:cNvPr id="67" name="그룹 66">
+            <a:extLst>
+              <a:ext uri="{FF2B5EF4-FFF2-40B4-BE49-F238E27FC236}">
+                <a16:creationId xmlns:a16="http://schemas.microsoft.com/office/drawing/2014/main" id="{8998005A-713A-496A-90F6-3C354CB10453}"/>
+              </a:ext>
+            </a:extLst>
+          </p:cNvPr>
+          <p:cNvGrpSpPr/>
+          <p:nvPr/>
+        </p:nvGrpSpPr>
+        <p:grpSpPr>
+          <a:xfrm>
+            <a:off x="2837382" y="860460"/>
+            <a:ext cx="6774098" cy="2541142"/>
+            <a:chOff x="2837382" y="860460"/>
+            <a:chExt cx="6774098" cy="2541142"/>
+          </a:xfrm>
+        </p:grpSpPr>
+        <p:sp>
+          <p:nvSpPr>
+            <p:cNvPr id="8" name="직사각형 7">
+              <a:extLst>
+                <a:ext uri="{FF2B5EF4-FFF2-40B4-BE49-F238E27FC236}">
+                  <a16:creationId xmlns:a16="http://schemas.microsoft.com/office/drawing/2014/main" id="{54A82AC0-4ED3-4FB7-9102-14A7BDDA36F0}"/>
+                </a:ext>
+              </a:extLst>
+            </p:cNvPr>
+            <p:cNvSpPr/>
+            <p:nvPr/>
+          </p:nvSpPr>
+          <p:spPr>
+            <a:xfrm>
+              <a:off x="2837382" y="1619892"/>
+              <a:ext cx="1695236" cy="647272"/>
+            </a:xfrm>
+            <a:prstGeom prst="rect">
+              <a:avLst/>
+            </a:prstGeom>
+          </p:spPr>
+          <p:style>
+            <a:lnRef idx="2">
+              <a:schemeClr val="accent1">
+                <a:shade val="50000"/>
+              </a:schemeClr>
+            </a:lnRef>
+            <a:fillRef idx="1">
+              <a:schemeClr val="accent1"/>
+            </a:fillRef>
+            <a:effectRef idx="0">
+              <a:schemeClr val="accent1"/>
+            </a:effectRef>
+            <a:fontRef idx="minor">
+              <a:schemeClr val="lt1"/>
+            </a:fontRef>
+          </p:style>
+          <p:txBody>
+            <a:bodyPr rtlCol="0" anchor="ctr"/>
+            <a:lstStyle/>
+            <a:p>
+              <a:pPr algn="ctr"/>
+              <a:r>
+                <a:rPr lang="en-US" altLang="ko-KR" dirty="0" err="1"/>
+                <a:t>MenuGUI</a:t>
+              </a:r>
+              <a:endParaRPr lang="ko-KR" altLang="en-US" dirty="0"/>
+            </a:p>
+          </p:txBody>
+        </p:sp>
+        <p:sp>
+          <p:nvSpPr>
+            <p:cNvPr id="11" name="직사각형 10">
+              <a:extLst>
+                <a:ext uri="{FF2B5EF4-FFF2-40B4-BE49-F238E27FC236}">
+                  <a16:creationId xmlns:a16="http://schemas.microsoft.com/office/drawing/2014/main" id="{1A0F94B5-E294-432A-B631-B56D4F9A92B8}"/>
+                </a:ext>
+              </a:extLst>
+            </p:cNvPr>
+            <p:cNvSpPr/>
+            <p:nvPr/>
+          </p:nvSpPr>
+          <p:spPr>
+            <a:xfrm>
+              <a:off x="5376813" y="1619892"/>
+              <a:ext cx="1695236" cy="647272"/>
+            </a:xfrm>
+            <a:prstGeom prst="rect">
+              <a:avLst/>
+            </a:prstGeom>
+          </p:spPr>
+          <p:style>
+            <a:lnRef idx="2">
+              <a:schemeClr val="accent1">
+                <a:shade val="50000"/>
+              </a:schemeClr>
+            </a:lnRef>
+            <a:fillRef idx="1">
+              <a:schemeClr val="accent1"/>
+            </a:fillRef>
+            <a:effectRef idx="0">
+              <a:schemeClr val="accent1"/>
+            </a:effectRef>
+            <a:fontRef idx="minor">
+              <a:schemeClr val="lt1"/>
+            </a:fontRef>
+          </p:style>
+          <p:txBody>
+            <a:bodyPr rtlCol="0" anchor="ctr"/>
+            <a:lstStyle/>
+            <a:p>
+              <a:pPr algn="ctr"/>
+              <a:r>
+                <a:rPr lang="en-US" altLang="ko-KR" dirty="0" err="1"/>
+                <a:t>MenuPanel</a:t>
+              </a:r>
+              <a:endParaRPr lang="ko-KR" altLang="en-US" dirty="0"/>
+            </a:p>
+          </p:txBody>
+        </p:sp>
+        <p:grpSp>
+          <p:nvGrpSpPr>
+            <p:cNvPr id="58" name="그룹 57">
+              <a:extLst>
+                <a:ext uri="{FF2B5EF4-FFF2-40B4-BE49-F238E27FC236}">
+                  <a16:creationId xmlns:a16="http://schemas.microsoft.com/office/drawing/2014/main" id="{2627C6D4-10A5-487A-A4C4-C554065F8E74}"/>
+                </a:ext>
+              </a:extLst>
+            </p:cNvPr>
+            <p:cNvGrpSpPr/>
+            <p:nvPr/>
+          </p:nvGrpSpPr>
+          <p:grpSpPr>
+            <a:xfrm>
+              <a:off x="7916244" y="860460"/>
+              <a:ext cx="1695236" cy="2541142"/>
+              <a:chOff x="7916244" y="860460"/>
+              <a:chExt cx="1695236" cy="2541142"/>
+            </a:xfrm>
+          </p:grpSpPr>
+          <p:sp>
+            <p:nvSpPr>
+              <p:cNvPr id="18" name="직사각형 17">
+                <a:extLst>
+                  <a:ext uri="{FF2B5EF4-FFF2-40B4-BE49-F238E27FC236}">
+                    <a16:creationId xmlns:a16="http://schemas.microsoft.com/office/drawing/2014/main" id="{1C946017-A6A5-49C4-B4CD-29FE4D92DDCD}"/>
+                  </a:ext>
+                </a:extLst>
+              </p:cNvPr>
+              <p:cNvSpPr/>
+              <p:nvPr/>
+            </p:nvSpPr>
+            <p:spPr>
+              <a:xfrm>
+                <a:off x="7916244" y="860460"/>
+                <a:ext cx="1695236" cy="647272"/>
+              </a:xfrm>
+              <a:prstGeom prst="rect">
+                <a:avLst/>
+              </a:prstGeom>
+            </p:spPr>
+            <p:style>
+              <a:lnRef idx="2">
+                <a:schemeClr val="accent1">
+                  <a:shade val="50000"/>
+                </a:schemeClr>
+              </a:lnRef>
+              <a:fillRef idx="1">
+                <a:schemeClr val="accent1"/>
+              </a:fillRef>
+              <a:effectRef idx="0">
+                <a:schemeClr val="accent1"/>
+              </a:effectRef>
+              <a:fontRef idx="minor">
+                <a:schemeClr val="lt1"/>
+              </a:fontRef>
+            </p:style>
+            <p:txBody>
+              <a:bodyPr rtlCol="0" anchor="ctr"/>
+              <a:lstStyle/>
+              <a:p>
+                <a:pPr algn="ctr"/>
+                <a:r>
+                  <a:rPr lang="en-US" altLang="ko-KR" dirty="0" err="1"/>
+                  <a:t>MenuPanel</a:t>
+                </a:r>
+                <a:r>
+                  <a:rPr lang="en-US" altLang="ko-KR" dirty="0"/>
+                  <a:t> 1</a:t>
+                </a:r>
+                <a:endParaRPr lang="ko-KR" altLang="en-US" dirty="0"/>
+              </a:p>
+            </p:txBody>
+          </p:sp>
+          <p:sp>
+            <p:nvSpPr>
+              <p:cNvPr id="19" name="직사각형 18">
+                <a:extLst>
+                  <a:ext uri="{FF2B5EF4-FFF2-40B4-BE49-F238E27FC236}">
+                    <a16:creationId xmlns:a16="http://schemas.microsoft.com/office/drawing/2014/main" id="{CFBF4E58-260D-4902-867E-14DEB8047BDF}"/>
+                  </a:ext>
+                </a:extLst>
+              </p:cNvPr>
+              <p:cNvSpPr/>
+              <p:nvPr/>
+            </p:nvSpPr>
+            <p:spPr>
+              <a:xfrm>
+                <a:off x="7916244" y="1507732"/>
+                <a:ext cx="1695236" cy="647272"/>
+              </a:xfrm>
+              <a:prstGeom prst="rect">
+                <a:avLst/>
+              </a:prstGeom>
+            </p:spPr>
+            <p:style>
+              <a:lnRef idx="2">
+                <a:schemeClr val="accent1">
+                  <a:shade val="50000"/>
+                </a:schemeClr>
+              </a:lnRef>
+              <a:fillRef idx="1">
+                <a:schemeClr val="accent1"/>
+              </a:fillRef>
+              <a:effectRef idx="0">
+                <a:schemeClr val="accent1"/>
+              </a:effectRef>
+              <a:fontRef idx="minor">
+                <a:schemeClr val="lt1"/>
+              </a:fontRef>
+            </p:style>
+            <p:txBody>
+              <a:bodyPr rtlCol="0" anchor="ctr"/>
+              <a:lstStyle/>
+              <a:p>
+                <a:pPr algn="ctr"/>
+                <a:r>
+                  <a:rPr lang="en-US" altLang="ko-KR" dirty="0" err="1"/>
+                  <a:t>MenuPanel</a:t>
+                </a:r>
+                <a:r>
+                  <a:rPr lang="en-US" altLang="ko-KR" dirty="0"/>
+                  <a:t> 2</a:t>
+                </a:r>
+                <a:endParaRPr lang="ko-KR" altLang="en-US" dirty="0"/>
+              </a:p>
+            </p:txBody>
+          </p:sp>
+          <p:sp>
+            <p:nvSpPr>
+              <p:cNvPr id="20" name="직사각형 19">
+                <a:extLst>
+                  <a:ext uri="{FF2B5EF4-FFF2-40B4-BE49-F238E27FC236}">
+                    <a16:creationId xmlns:a16="http://schemas.microsoft.com/office/drawing/2014/main" id="{F5B1D717-E269-4E10-A51A-7E9B79EA9A84}"/>
+                  </a:ext>
+                </a:extLst>
+              </p:cNvPr>
+              <p:cNvSpPr/>
+              <p:nvPr/>
+            </p:nvSpPr>
+            <p:spPr>
+              <a:xfrm>
+                <a:off x="7916244" y="2107058"/>
+                <a:ext cx="1695236" cy="647272"/>
+              </a:xfrm>
+              <a:prstGeom prst="rect">
+                <a:avLst/>
+              </a:prstGeom>
+            </p:spPr>
+            <p:style>
+              <a:lnRef idx="2">
+                <a:schemeClr val="accent1">
+                  <a:shade val="50000"/>
+                </a:schemeClr>
+              </a:lnRef>
+              <a:fillRef idx="1">
+                <a:schemeClr val="accent1"/>
+              </a:fillRef>
+              <a:effectRef idx="0">
+                <a:schemeClr val="accent1"/>
+              </a:effectRef>
+              <a:fontRef idx="minor">
+                <a:schemeClr val="lt1"/>
+              </a:fontRef>
+            </p:style>
+            <p:txBody>
+              <a:bodyPr rtlCol="0" anchor="ctr"/>
+              <a:lstStyle/>
+              <a:p>
+                <a:pPr algn="ctr"/>
+                <a:r>
+                  <a:rPr lang="en-US" altLang="ko-KR" dirty="0" err="1"/>
+                  <a:t>MenuPanel</a:t>
+                </a:r>
+                <a:r>
+                  <a:rPr lang="en-US" altLang="ko-KR" dirty="0"/>
+                  <a:t> 3</a:t>
+                </a:r>
+                <a:endParaRPr lang="ko-KR" altLang="en-US" dirty="0"/>
+              </a:p>
+            </p:txBody>
+          </p:sp>
+          <p:sp>
+            <p:nvSpPr>
+              <p:cNvPr id="21" name="직사각형 20">
+                <a:extLst>
+                  <a:ext uri="{FF2B5EF4-FFF2-40B4-BE49-F238E27FC236}">
+                    <a16:creationId xmlns:a16="http://schemas.microsoft.com/office/drawing/2014/main" id="{AF26AECC-0983-45F1-9D46-73808664C8AD}"/>
+                  </a:ext>
+                </a:extLst>
+              </p:cNvPr>
+              <p:cNvSpPr/>
+              <p:nvPr/>
+            </p:nvSpPr>
+            <p:spPr>
+              <a:xfrm>
+                <a:off x="7916244" y="2754330"/>
+                <a:ext cx="1695236" cy="647272"/>
+              </a:xfrm>
+              <a:prstGeom prst="rect">
+                <a:avLst/>
+              </a:prstGeom>
+            </p:spPr>
+            <p:style>
+              <a:lnRef idx="2">
+                <a:schemeClr val="accent1">
+                  <a:shade val="50000"/>
+                </a:schemeClr>
+              </a:lnRef>
+              <a:fillRef idx="1">
+                <a:schemeClr val="accent1"/>
+              </a:fillRef>
+              <a:effectRef idx="0">
+                <a:schemeClr val="accent1"/>
+              </a:effectRef>
+              <a:fontRef idx="minor">
+                <a:schemeClr val="lt1"/>
+              </a:fontRef>
+            </p:style>
+            <p:txBody>
+              <a:bodyPr rtlCol="0" anchor="ctr"/>
+              <a:lstStyle/>
+              <a:p>
+                <a:pPr algn="ctr"/>
+                <a:r>
+                  <a:rPr lang="en-US" altLang="ko-KR" dirty="0" err="1"/>
+                  <a:t>MenuPanel</a:t>
+                </a:r>
+                <a:r>
+                  <a:rPr lang="en-US" altLang="ko-KR" dirty="0"/>
+                  <a:t> 4</a:t>
+                </a:r>
+                <a:endParaRPr lang="ko-KR" altLang="en-US" dirty="0"/>
+              </a:p>
+            </p:txBody>
+          </p:sp>
+        </p:grpSp>
+      </p:grpSp>
+      <p:cxnSp>
+        <p:nvCxnSpPr>
+          <p:cNvPr id="27" name="직선 화살표 연결선 26">
+            <a:extLst>
+              <a:ext uri="{FF2B5EF4-FFF2-40B4-BE49-F238E27FC236}">
+                <a16:creationId xmlns:a16="http://schemas.microsoft.com/office/drawing/2014/main" id="{A9F0D31B-5B8C-4D8E-899E-40022ED3188C}"/>
+              </a:ext>
+            </a:extLst>
+          </p:cNvPr>
+          <p:cNvCxnSpPr>
+            <a:stCxn id="4" idx="3"/>
+            <a:endCxn id="5" idx="1"/>
+          </p:cNvCxnSpPr>
+          <p:nvPr/>
+        </p:nvCxnSpPr>
+        <p:spPr>
+          <a:xfrm>
+            <a:off x="1993187" y="503434"/>
+            <a:ext cx="844195" cy="0"/>
+          </a:xfrm>
+          <a:prstGeom prst="straightConnector1">
+            <a:avLst/>
+          </a:prstGeom>
+          <a:ln>
+            <a:tailEnd type="triangle"/>
+          </a:ln>
+        </p:spPr>
+        <p:style>
+          <a:lnRef idx="1">
+            <a:schemeClr val="accent1"/>
+          </a:lnRef>
+          <a:fillRef idx="0">
+            <a:schemeClr val="accent1"/>
+          </a:fillRef>
+          <a:effectRef idx="0">
+            <a:schemeClr val="accent1"/>
+          </a:effectRef>
+          <a:fontRef idx="minor">
+            <a:schemeClr val="tx1"/>
+          </a:fontRef>
+        </p:style>
+      </p:cxnSp>
+      <p:grpSp>
+        <p:nvGrpSpPr>
+          <p:cNvPr id="70" name="그룹 69">
+            <a:extLst>
+              <a:ext uri="{FF2B5EF4-FFF2-40B4-BE49-F238E27FC236}">
+                <a16:creationId xmlns:a16="http://schemas.microsoft.com/office/drawing/2014/main" id="{AF3173AC-7428-4A33-9786-A68CCEDA8415}"/>
+              </a:ext>
+            </a:extLst>
+          </p:cNvPr>
+          <p:cNvGrpSpPr/>
+          <p:nvPr/>
+        </p:nvGrpSpPr>
+        <p:grpSpPr>
+          <a:xfrm>
+            <a:off x="2837382" y="179798"/>
+            <a:ext cx="4234667" cy="1294543"/>
+            <a:chOff x="2837382" y="179798"/>
+            <a:chExt cx="4234667" cy="1294543"/>
+          </a:xfrm>
+        </p:grpSpPr>
+        <p:sp>
+          <p:nvSpPr>
+            <p:cNvPr id="5" name="직사각형 4">
+              <a:extLst>
+                <a:ext uri="{FF2B5EF4-FFF2-40B4-BE49-F238E27FC236}">
+                  <a16:creationId xmlns:a16="http://schemas.microsoft.com/office/drawing/2014/main" id="{1A7170A7-D0A8-460B-BBC2-160502D6528E}"/>
+                </a:ext>
+              </a:extLst>
+            </p:cNvPr>
+            <p:cNvSpPr/>
+            <p:nvPr/>
+          </p:nvSpPr>
+          <p:spPr>
+            <a:xfrm>
+              <a:off x="2837382" y="179798"/>
+              <a:ext cx="1695236" cy="647272"/>
+            </a:xfrm>
+            <a:prstGeom prst="rect">
+              <a:avLst/>
+            </a:prstGeom>
+          </p:spPr>
+          <p:style>
+            <a:lnRef idx="2">
+              <a:schemeClr val="accent1">
+                <a:shade val="50000"/>
+              </a:schemeClr>
+            </a:lnRef>
+            <a:fillRef idx="1">
+              <a:schemeClr val="accent1"/>
+            </a:fillRef>
+            <a:effectRef idx="0">
+              <a:schemeClr val="accent1"/>
+            </a:effectRef>
+            <a:fontRef idx="minor">
+              <a:schemeClr val="lt1"/>
+            </a:fontRef>
+          </p:style>
+          <p:txBody>
+            <a:bodyPr rtlCol="0" anchor="ctr"/>
+            <a:lstStyle/>
+            <a:p>
+              <a:pPr algn="ctr"/>
+              <a:r>
+                <a:rPr lang="en-US" altLang="ko-KR" dirty="0" err="1"/>
+                <a:t>MainGUI</a:t>
+              </a:r>
+              <a:endParaRPr lang="ko-KR" altLang="en-US" dirty="0"/>
+            </a:p>
+          </p:txBody>
+        </p:sp>
+        <p:grpSp>
+          <p:nvGrpSpPr>
+            <p:cNvPr id="69" name="그룹 68">
+              <a:extLst>
+                <a:ext uri="{FF2B5EF4-FFF2-40B4-BE49-F238E27FC236}">
+                  <a16:creationId xmlns:a16="http://schemas.microsoft.com/office/drawing/2014/main" id="{5EA76A61-B716-43F2-8C3E-6FE4080F1436}"/>
+                </a:ext>
+              </a:extLst>
+            </p:cNvPr>
+            <p:cNvGrpSpPr/>
+            <p:nvPr/>
+          </p:nvGrpSpPr>
+          <p:grpSpPr>
+            <a:xfrm>
+              <a:off x="5376813" y="179798"/>
+              <a:ext cx="1695236" cy="1294543"/>
+              <a:chOff x="5376813" y="179798"/>
+              <a:chExt cx="1695236" cy="1294543"/>
+            </a:xfrm>
+          </p:grpSpPr>
+          <p:sp>
+            <p:nvSpPr>
+              <p:cNvPr id="9" name="직사각형 8">
+                <a:extLst>
+                  <a:ext uri="{FF2B5EF4-FFF2-40B4-BE49-F238E27FC236}">
+                    <a16:creationId xmlns:a16="http://schemas.microsoft.com/office/drawing/2014/main" id="{3FA36C97-7280-409B-AB5A-EFA7DAE39EC3}"/>
+                  </a:ext>
+                </a:extLst>
+              </p:cNvPr>
+              <p:cNvSpPr/>
+              <p:nvPr/>
+            </p:nvSpPr>
+            <p:spPr>
+              <a:xfrm>
+                <a:off x="5376813" y="179798"/>
+                <a:ext cx="1695236" cy="647272"/>
+              </a:xfrm>
+              <a:prstGeom prst="rect">
+                <a:avLst/>
+              </a:prstGeom>
+            </p:spPr>
+            <p:style>
+              <a:lnRef idx="2">
+                <a:schemeClr val="accent1">
+                  <a:shade val="50000"/>
+                </a:schemeClr>
+              </a:lnRef>
+              <a:fillRef idx="1">
+                <a:schemeClr val="accent1"/>
+              </a:fillRef>
+              <a:effectRef idx="0">
+                <a:schemeClr val="accent1"/>
+              </a:effectRef>
+              <a:fontRef idx="minor">
+                <a:schemeClr val="lt1"/>
+              </a:fontRef>
+            </p:style>
+            <p:txBody>
+              <a:bodyPr rtlCol="0" anchor="ctr"/>
+              <a:lstStyle/>
+              <a:p>
+                <a:pPr algn="ctr"/>
+                <a:r>
+                  <a:rPr lang="en-US" altLang="ko-KR" dirty="0" err="1"/>
+                  <a:t>WelcomPanel</a:t>
+                </a:r>
+                <a:endParaRPr lang="ko-KR" altLang="en-US" dirty="0"/>
+              </a:p>
+            </p:txBody>
+          </p:sp>
+          <p:sp>
+            <p:nvSpPr>
+              <p:cNvPr id="10" name="직사각형 9">
+                <a:extLst>
+                  <a:ext uri="{FF2B5EF4-FFF2-40B4-BE49-F238E27FC236}">
+                    <a16:creationId xmlns:a16="http://schemas.microsoft.com/office/drawing/2014/main" id="{193C7666-CC39-439B-9188-B33A4DF902CE}"/>
+                  </a:ext>
+                </a:extLst>
+              </p:cNvPr>
+              <p:cNvSpPr/>
+              <p:nvPr/>
+            </p:nvSpPr>
+            <p:spPr>
+              <a:xfrm>
+                <a:off x="5376813" y="827069"/>
+                <a:ext cx="1695236" cy="647272"/>
+              </a:xfrm>
+              <a:prstGeom prst="rect">
+                <a:avLst/>
+              </a:prstGeom>
+            </p:spPr>
+            <p:style>
+              <a:lnRef idx="2">
+                <a:schemeClr val="accent1">
+                  <a:shade val="50000"/>
+                </a:schemeClr>
+              </a:lnRef>
+              <a:fillRef idx="1">
+                <a:schemeClr val="accent1"/>
+              </a:fillRef>
+              <a:effectRef idx="0">
+                <a:schemeClr val="accent1"/>
+              </a:effectRef>
+              <a:fontRef idx="minor">
+                <a:schemeClr val="lt1"/>
+              </a:fontRef>
+            </p:style>
+            <p:txBody>
+              <a:bodyPr rtlCol="0" anchor="ctr"/>
+              <a:lstStyle/>
+              <a:p>
+                <a:pPr algn="ctr"/>
+                <a:r>
+                  <a:rPr lang="en-US" altLang="ko-KR" dirty="0" err="1"/>
+                  <a:t>TakeOrEatPanel</a:t>
+                </a:r>
+                <a:endParaRPr lang="ko-KR" altLang="en-US" dirty="0"/>
+              </a:p>
+            </p:txBody>
+          </p:sp>
+        </p:grpSp>
+        <p:cxnSp>
+          <p:nvCxnSpPr>
+            <p:cNvPr id="29" name="직선 화살표 연결선 28">
+              <a:extLst>
+                <a:ext uri="{FF2B5EF4-FFF2-40B4-BE49-F238E27FC236}">
+                  <a16:creationId xmlns:a16="http://schemas.microsoft.com/office/drawing/2014/main" id="{4EAF0F3D-CF6D-47A6-B833-910C54588B76}"/>
+                </a:ext>
+              </a:extLst>
+            </p:cNvPr>
+            <p:cNvCxnSpPr>
+              <a:stCxn id="5" idx="3"/>
+              <a:endCxn id="9" idx="1"/>
+            </p:cNvCxnSpPr>
+            <p:nvPr/>
+          </p:nvCxnSpPr>
+          <p:spPr>
+            <a:xfrm>
+              <a:off x="4532618" y="503434"/>
+              <a:ext cx="844195" cy="0"/>
+            </a:xfrm>
+            <a:prstGeom prst="straightConnector1">
+              <a:avLst/>
+            </a:prstGeom>
+            <a:ln>
+              <a:tailEnd type="triangle"/>
+            </a:ln>
+          </p:spPr>
+          <p:style>
+            <a:lnRef idx="1">
+              <a:schemeClr val="accent1"/>
+            </a:lnRef>
+            <a:fillRef idx="0">
+              <a:schemeClr val="accent1"/>
+            </a:fillRef>
+            <a:effectRef idx="0">
+              <a:schemeClr val="accent1"/>
+            </a:effectRef>
+            <a:fontRef idx="minor">
+              <a:schemeClr val="tx1"/>
+            </a:fontRef>
+          </p:style>
+        </p:cxnSp>
+        <p:cxnSp>
+          <p:nvCxnSpPr>
+            <p:cNvPr id="31" name="연결선: 꺾임 30">
+              <a:extLst>
+                <a:ext uri="{FF2B5EF4-FFF2-40B4-BE49-F238E27FC236}">
+                  <a16:creationId xmlns:a16="http://schemas.microsoft.com/office/drawing/2014/main" id="{A6531D26-631F-49D1-A957-9F0E9959312D}"/>
+                </a:ext>
+              </a:extLst>
+            </p:cNvPr>
+            <p:cNvCxnSpPr>
+              <a:stCxn id="5" idx="3"/>
+              <a:endCxn id="10" idx="1"/>
+            </p:cNvCxnSpPr>
+            <p:nvPr/>
+          </p:nvCxnSpPr>
+          <p:spPr>
+            <a:xfrm>
+              <a:off x="4532618" y="503434"/>
+              <a:ext cx="844195" cy="647271"/>
+            </a:xfrm>
+            <a:prstGeom prst="bentConnector3">
+              <a:avLst/>
+            </a:prstGeom>
+            <a:ln>
+              <a:tailEnd type="triangle"/>
+            </a:ln>
+          </p:spPr>
+          <p:style>
+            <a:lnRef idx="1">
+              <a:schemeClr val="accent1"/>
+            </a:lnRef>
+            <a:fillRef idx="0">
+              <a:schemeClr val="accent1"/>
+            </a:fillRef>
+            <a:effectRef idx="0">
+              <a:schemeClr val="accent1"/>
+            </a:effectRef>
+            <a:fontRef idx="minor">
+              <a:schemeClr val="tx1"/>
+            </a:fontRef>
+          </p:style>
+        </p:cxnSp>
+      </p:grpSp>
+      <p:cxnSp>
+        <p:nvCxnSpPr>
+          <p:cNvPr id="33" name="직선 화살표 연결선 32">
+            <a:extLst>
+              <a:ext uri="{FF2B5EF4-FFF2-40B4-BE49-F238E27FC236}">
+                <a16:creationId xmlns:a16="http://schemas.microsoft.com/office/drawing/2014/main" id="{F8E56390-90DE-4A40-939E-235B2FE64E8C}"/>
+              </a:ext>
+            </a:extLst>
+          </p:cNvPr>
+          <p:cNvCxnSpPr>
+            <a:stCxn id="8" idx="3"/>
+            <a:endCxn id="11" idx="1"/>
+          </p:cNvCxnSpPr>
+          <p:nvPr/>
+        </p:nvCxnSpPr>
+        <p:spPr>
+          <a:xfrm>
+            <a:off x="4532618" y="1943528"/>
+            <a:ext cx="844195" cy="0"/>
+          </a:xfrm>
+          <a:prstGeom prst="straightConnector1">
+            <a:avLst/>
+          </a:prstGeom>
+          <a:ln>
+            <a:tailEnd type="triangle"/>
+          </a:ln>
+        </p:spPr>
+        <p:style>
+          <a:lnRef idx="1">
+            <a:schemeClr val="accent1"/>
+          </a:lnRef>
+          <a:fillRef idx="0">
+            <a:schemeClr val="accent1"/>
+          </a:fillRef>
+          <a:effectRef idx="0">
+            <a:schemeClr val="accent1"/>
+          </a:effectRef>
+          <a:fontRef idx="minor">
+            <a:schemeClr val="tx1"/>
+          </a:fontRef>
+        </p:style>
+      </p:cxnSp>
+      <p:cxnSp>
+        <p:nvCxnSpPr>
+          <p:cNvPr id="35" name="직선 화살표 연결선 34">
+            <a:extLst>
+              <a:ext uri="{FF2B5EF4-FFF2-40B4-BE49-F238E27FC236}">
+                <a16:creationId xmlns:a16="http://schemas.microsoft.com/office/drawing/2014/main" id="{28B137D5-4529-4C1E-A273-5B6A9894D80B}"/>
+              </a:ext>
+            </a:extLst>
+          </p:cNvPr>
+          <p:cNvCxnSpPr>
+            <a:stCxn id="6" idx="3"/>
+            <a:endCxn id="12" idx="1"/>
+          </p:cNvCxnSpPr>
+          <p:nvPr/>
+        </p:nvCxnSpPr>
+        <p:spPr>
+          <a:xfrm>
+            <a:off x="4532618" y="2952108"/>
+            <a:ext cx="844195" cy="0"/>
+          </a:xfrm>
+          <a:prstGeom prst="straightConnector1">
+            <a:avLst/>
+          </a:prstGeom>
+          <a:ln>
+            <a:tailEnd type="triangle"/>
+          </a:ln>
+        </p:spPr>
+        <p:style>
+          <a:lnRef idx="1">
+            <a:schemeClr val="accent1"/>
+          </a:lnRef>
+          <a:fillRef idx="0">
+            <a:schemeClr val="accent1"/>
+          </a:fillRef>
+          <a:effectRef idx="0">
+            <a:schemeClr val="accent1"/>
+          </a:effectRef>
+          <a:fontRef idx="minor">
+            <a:schemeClr val="tx1"/>
+          </a:fontRef>
+        </p:style>
+      </p:cxnSp>
+      <p:cxnSp>
+        <p:nvCxnSpPr>
+          <p:cNvPr id="39" name="연결선: 꺾임 38">
+            <a:extLst>
+              <a:ext uri="{FF2B5EF4-FFF2-40B4-BE49-F238E27FC236}">
+                <a16:creationId xmlns:a16="http://schemas.microsoft.com/office/drawing/2014/main" id="{81C5C968-4AE8-4940-BEF1-1902FF320C65}"/>
+              </a:ext>
+            </a:extLst>
+          </p:cNvPr>
+          <p:cNvCxnSpPr>
+            <a:stCxn id="11" idx="3"/>
+            <a:endCxn id="18" idx="1"/>
+          </p:cNvCxnSpPr>
+          <p:nvPr/>
+        </p:nvCxnSpPr>
+        <p:spPr>
+          <a:xfrm flipV="1">
+            <a:off x="7072049" y="1184096"/>
+            <a:ext cx="844195" cy="759432"/>
+          </a:xfrm>
+          <a:prstGeom prst="bentConnector3">
+            <a:avLst/>
+          </a:prstGeom>
+          <a:ln>
+            <a:tailEnd type="triangle"/>
+          </a:ln>
+        </p:spPr>
+        <p:style>
+          <a:lnRef idx="1">
+            <a:schemeClr val="accent1"/>
+          </a:lnRef>
+          <a:fillRef idx="0">
+            <a:schemeClr val="accent1"/>
+          </a:fillRef>
+          <a:effectRef idx="0">
+            <a:schemeClr val="accent1"/>
+          </a:effectRef>
+          <a:fontRef idx="minor">
+            <a:schemeClr val="tx1"/>
+          </a:fontRef>
+        </p:style>
+      </p:cxnSp>
+      <p:cxnSp>
+        <p:nvCxnSpPr>
+          <p:cNvPr id="41" name="연결선: 꺾임 40">
+            <a:extLst>
+              <a:ext uri="{FF2B5EF4-FFF2-40B4-BE49-F238E27FC236}">
+                <a16:creationId xmlns:a16="http://schemas.microsoft.com/office/drawing/2014/main" id="{3532143E-A380-4B4B-9496-065DFF9E98FC}"/>
+              </a:ext>
+            </a:extLst>
+          </p:cNvPr>
+          <p:cNvCxnSpPr>
+            <a:stCxn id="11" idx="3"/>
+            <a:endCxn id="21" idx="1"/>
+          </p:cNvCxnSpPr>
+          <p:nvPr/>
+        </p:nvCxnSpPr>
+        <p:spPr>
+          <a:xfrm>
+            <a:off x="7072049" y="1943528"/>
+            <a:ext cx="844195" cy="1134438"/>
+          </a:xfrm>
+          <a:prstGeom prst="bentConnector3">
+            <a:avLst/>
+          </a:prstGeom>
+          <a:ln>
+            <a:tailEnd type="triangle"/>
+          </a:ln>
+        </p:spPr>
+        <p:style>
+          <a:lnRef idx="1">
+            <a:schemeClr val="accent1"/>
+          </a:lnRef>
+          <a:fillRef idx="0">
+            <a:schemeClr val="accent1"/>
+          </a:fillRef>
+          <a:effectRef idx="0">
+            <a:schemeClr val="accent1"/>
+          </a:effectRef>
+          <a:fontRef idx="minor">
+            <a:schemeClr val="tx1"/>
+          </a:fontRef>
+        </p:style>
+      </p:cxnSp>
+      <p:cxnSp>
+        <p:nvCxnSpPr>
+          <p:cNvPr id="43" name="연결선: 꺾임 42">
+            <a:extLst>
+              <a:ext uri="{FF2B5EF4-FFF2-40B4-BE49-F238E27FC236}">
+                <a16:creationId xmlns:a16="http://schemas.microsoft.com/office/drawing/2014/main" id="{C0D845AE-73A7-43B3-8959-F0BF05BEE363}"/>
+              </a:ext>
+            </a:extLst>
+          </p:cNvPr>
+          <p:cNvCxnSpPr>
+            <a:stCxn id="11" idx="3"/>
+            <a:endCxn id="19" idx="1"/>
+          </p:cNvCxnSpPr>
+          <p:nvPr/>
+        </p:nvCxnSpPr>
+        <p:spPr>
+          <a:xfrm flipV="1">
+            <a:off x="7072049" y="1831368"/>
+            <a:ext cx="844195" cy="112160"/>
+          </a:xfrm>
+          <a:prstGeom prst="bentConnector3">
+            <a:avLst/>
+          </a:prstGeom>
+          <a:ln>
+            <a:tailEnd type="triangle"/>
+          </a:ln>
+        </p:spPr>
+        <p:style>
+          <a:lnRef idx="1">
+            <a:schemeClr val="accent1"/>
+          </a:lnRef>
+          <a:fillRef idx="0">
+            <a:schemeClr val="accent1"/>
+          </a:fillRef>
+          <a:effectRef idx="0">
+            <a:schemeClr val="accent1"/>
+          </a:effectRef>
+          <a:fontRef idx="minor">
+            <a:schemeClr val="tx1"/>
+          </a:fontRef>
+        </p:style>
+      </p:cxnSp>
+      <p:cxnSp>
+        <p:nvCxnSpPr>
+          <p:cNvPr id="45" name="연결선: 꺾임 44">
+            <a:extLst>
+              <a:ext uri="{FF2B5EF4-FFF2-40B4-BE49-F238E27FC236}">
+                <a16:creationId xmlns:a16="http://schemas.microsoft.com/office/drawing/2014/main" id="{21972DC4-D0FF-4AFD-B72D-8E33730ED4F0}"/>
+              </a:ext>
+            </a:extLst>
+          </p:cNvPr>
+          <p:cNvCxnSpPr>
+            <a:stCxn id="11" idx="3"/>
+            <a:endCxn id="20" idx="1"/>
+          </p:cNvCxnSpPr>
+          <p:nvPr/>
+        </p:nvCxnSpPr>
+        <p:spPr>
+          <a:xfrm>
+            <a:off x="7072049" y="1943528"/>
+            <a:ext cx="844195" cy="487166"/>
+          </a:xfrm>
+          <a:prstGeom prst="bentConnector3">
+            <a:avLst/>
+          </a:prstGeom>
+          <a:ln>
+            <a:tailEnd type="triangle"/>
+          </a:ln>
+        </p:spPr>
+        <p:style>
+          <a:lnRef idx="1">
+            <a:schemeClr val="accent1"/>
+          </a:lnRef>
+          <a:fillRef idx="0">
+            <a:schemeClr val="accent1"/>
+          </a:fillRef>
+          <a:effectRef idx="0">
+            <a:schemeClr val="accent1"/>
+          </a:effectRef>
+          <a:fontRef idx="minor">
+            <a:schemeClr val="tx1"/>
+          </a:fontRef>
+        </p:style>
+      </p:cxnSp>
+      <p:grpSp>
+        <p:nvGrpSpPr>
+          <p:cNvPr id="66" name="그룹 65">
+            <a:extLst>
+              <a:ext uri="{FF2B5EF4-FFF2-40B4-BE49-F238E27FC236}">
+                <a16:creationId xmlns:a16="http://schemas.microsoft.com/office/drawing/2014/main" id="{1ABB3358-4A9C-4C80-9F5D-E8DD18ED2E2F}"/>
+              </a:ext>
+            </a:extLst>
+          </p:cNvPr>
+          <p:cNvGrpSpPr/>
+          <p:nvPr/>
+        </p:nvGrpSpPr>
+        <p:grpSpPr>
+          <a:xfrm>
+            <a:off x="2837382" y="3758629"/>
+            <a:ext cx="6774098" cy="2541142"/>
+            <a:chOff x="2837382" y="3758629"/>
+            <a:chExt cx="6774098" cy="2541142"/>
+          </a:xfrm>
+        </p:grpSpPr>
+        <p:sp>
+          <p:nvSpPr>
+            <p:cNvPr id="7" name="직사각형 6">
+              <a:extLst>
+                <a:ext uri="{FF2B5EF4-FFF2-40B4-BE49-F238E27FC236}">
+                  <a16:creationId xmlns:a16="http://schemas.microsoft.com/office/drawing/2014/main" id="{DBFAB996-D1C6-46D2-A297-6DA86D108E23}"/>
+                </a:ext>
+              </a:extLst>
+            </p:cNvPr>
+            <p:cNvSpPr/>
+            <p:nvPr/>
+          </p:nvSpPr>
+          <p:spPr>
+            <a:xfrm>
+              <a:off x="2837382" y="3758629"/>
+              <a:ext cx="1695236" cy="647272"/>
+            </a:xfrm>
+            <a:prstGeom prst="rect">
+              <a:avLst/>
+            </a:prstGeom>
+          </p:spPr>
+          <p:style>
+            <a:lnRef idx="2">
+              <a:schemeClr val="accent1">
+                <a:shade val="50000"/>
+              </a:schemeClr>
+            </a:lnRef>
+            <a:fillRef idx="1">
+              <a:schemeClr val="accent1"/>
+            </a:fillRef>
+            <a:effectRef idx="0">
+              <a:schemeClr val="accent1"/>
+            </a:effectRef>
+            <a:fontRef idx="minor">
+              <a:schemeClr val="lt1"/>
+            </a:fontRef>
+          </p:style>
+          <p:txBody>
+            <a:bodyPr rtlCol="0" anchor="ctr"/>
+            <a:lstStyle/>
+            <a:p>
+              <a:pPr algn="ctr"/>
+              <a:r>
+                <a:rPr lang="en-US" altLang="ko-KR" dirty="0" err="1"/>
+                <a:t>CreditGUI</a:t>
+              </a:r>
+              <a:endParaRPr lang="ko-KR" altLang="en-US" dirty="0"/>
+            </a:p>
+          </p:txBody>
+        </p:sp>
+        <p:sp>
+          <p:nvSpPr>
+            <p:cNvPr id="13" name="직사각형 12">
+              <a:extLst>
+                <a:ext uri="{FF2B5EF4-FFF2-40B4-BE49-F238E27FC236}">
+                  <a16:creationId xmlns:a16="http://schemas.microsoft.com/office/drawing/2014/main" id="{9839026B-F256-452F-A370-AD23F3C0CBA3}"/>
+                </a:ext>
+              </a:extLst>
+            </p:cNvPr>
+            <p:cNvSpPr/>
+            <p:nvPr/>
+          </p:nvSpPr>
+          <p:spPr>
+            <a:xfrm>
+              <a:off x="5376813" y="3758629"/>
+              <a:ext cx="1695236" cy="647272"/>
+            </a:xfrm>
+            <a:prstGeom prst="rect">
+              <a:avLst/>
+            </a:prstGeom>
+          </p:spPr>
+          <p:style>
+            <a:lnRef idx="2">
+              <a:schemeClr val="accent1">
+                <a:shade val="50000"/>
+              </a:schemeClr>
+            </a:lnRef>
+            <a:fillRef idx="1">
+              <a:schemeClr val="accent1"/>
+            </a:fillRef>
+            <a:effectRef idx="0">
+              <a:schemeClr val="accent1"/>
+            </a:effectRef>
+            <a:fontRef idx="minor">
+              <a:schemeClr val="lt1"/>
+            </a:fontRef>
+          </p:style>
+          <p:txBody>
+            <a:bodyPr rtlCol="0" anchor="ctr"/>
+            <a:lstStyle/>
+            <a:p>
+              <a:pPr algn="ctr"/>
+              <a:r>
+                <a:rPr lang="en-US" altLang="ko-KR" dirty="0" err="1"/>
+                <a:t>CreditPanel</a:t>
+              </a:r>
+              <a:endParaRPr lang="ko-KR" altLang="en-US" dirty="0"/>
+            </a:p>
+          </p:txBody>
+        </p:sp>
+        <p:grpSp>
+          <p:nvGrpSpPr>
+            <p:cNvPr id="59" name="그룹 58">
+              <a:extLst>
+                <a:ext uri="{FF2B5EF4-FFF2-40B4-BE49-F238E27FC236}">
+                  <a16:creationId xmlns:a16="http://schemas.microsoft.com/office/drawing/2014/main" id="{7E83C698-55C4-445F-9075-004C1743ECFB}"/>
+                </a:ext>
+              </a:extLst>
+            </p:cNvPr>
+            <p:cNvGrpSpPr/>
+            <p:nvPr/>
+          </p:nvGrpSpPr>
+          <p:grpSpPr>
+            <a:xfrm>
+              <a:off x="7916244" y="3758629"/>
+              <a:ext cx="1695236" cy="2541142"/>
+              <a:chOff x="7916244" y="3758629"/>
+              <a:chExt cx="1695236" cy="2541142"/>
+            </a:xfrm>
+          </p:grpSpPr>
+          <p:sp>
+            <p:nvSpPr>
+              <p:cNvPr id="14" name="직사각형 13">
+                <a:extLst>
+                  <a:ext uri="{FF2B5EF4-FFF2-40B4-BE49-F238E27FC236}">
+                    <a16:creationId xmlns:a16="http://schemas.microsoft.com/office/drawing/2014/main" id="{DFF5CB77-B168-4134-93F6-F4C7384815F6}"/>
+                  </a:ext>
+                </a:extLst>
+              </p:cNvPr>
+              <p:cNvSpPr/>
+              <p:nvPr/>
+            </p:nvSpPr>
+            <p:spPr>
+              <a:xfrm>
+                <a:off x="7916244" y="3758629"/>
+                <a:ext cx="1695236" cy="647272"/>
+              </a:xfrm>
+              <a:prstGeom prst="rect">
+                <a:avLst/>
+              </a:prstGeom>
+            </p:spPr>
+            <p:style>
+              <a:lnRef idx="2">
+                <a:schemeClr val="accent1">
+                  <a:shade val="50000"/>
+                </a:schemeClr>
+              </a:lnRef>
+              <a:fillRef idx="1">
+                <a:schemeClr val="accent1"/>
+              </a:fillRef>
+              <a:effectRef idx="0">
+                <a:schemeClr val="accent1"/>
+              </a:effectRef>
+              <a:fontRef idx="minor">
+                <a:schemeClr val="lt1"/>
+              </a:fontRef>
+            </p:style>
+            <p:txBody>
+              <a:bodyPr rtlCol="0" anchor="ctr"/>
+              <a:lstStyle/>
+              <a:p>
+                <a:pPr algn="ctr"/>
+                <a:r>
+                  <a:rPr lang="en-US" altLang="ko-KR" dirty="0" err="1"/>
+                  <a:t>CreditPanel</a:t>
+                </a:r>
+                <a:r>
+                  <a:rPr lang="en-US" altLang="ko-KR" dirty="0"/>
+                  <a:t> 1</a:t>
+                </a:r>
+                <a:endParaRPr lang="ko-KR" altLang="en-US" dirty="0"/>
+              </a:p>
+            </p:txBody>
+          </p:sp>
+          <p:sp>
+            <p:nvSpPr>
+              <p:cNvPr id="15" name="직사각형 14">
+                <a:extLst>
+                  <a:ext uri="{FF2B5EF4-FFF2-40B4-BE49-F238E27FC236}">
+                    <a16:creationId xmlns:a16="http://schemas.microsoft.com/office/drawing/2014/main" id="{9A48CA43-5068-4DCE-9505-03B843341130}"/>
+                  </a:ext>
+                </a:extLst>
+              </p:cNvPr>
+              <p:cNvSpPr/>
+              <p:nvPr/>
+            </p:nvSpPr>
+            <p:spPr>
+              <a:xfrm>
+                <a:off x="7916244" y="4405901"/>
+                <a:ext cx="1695236" cy="647272"/>
+              </a:xfrm>
+              <a:prstGeom prst="rect">
+                <a:avLst/>
+              </a:prstGeom>
+            </p:spPr>
+            <p:style>
+              <a:lnRef idx="2">
+                <a:schemeClr val="accent1">
+                  <a:shade val="50000"/>
+                </a:schemeClr>
+              </a:lnRef>
+              <a:fillRef idx="1">
+                <a:schemeClr val="accent1"/>
+              </a:fillRef>
+              <a:effectRef idx="0">
+                <a:schemeClr val="accent1"/>
+              </a:effectRef>
+              <a:fontRef idx="minor">
+                <a:schemeClr val="lt1"/>
+              </a:fontRef>
+            </p:style>
+            <p:txBody>
+              <a:bodyPr rtlCol="0" anchor="ctr"/>
+              <a:lstStyle/>
+              <a:p>
+                <a:pPr algn="ctr"/>
+                <a:r>
+                  <a:rPr lang="en-US" altLang="ko-KR" dirty="0" err="1"/>
+                  <a:t>CreditPanel</a:t>
+                </a:r>
+                <a:r>
+                  <a:rPr lang="en-US" altLang="ko-KR" dirty="0"/>
+                  <a:t> 2</a:t>
+                </a:r>
+                <a:endParaRPr lang="ko-KR" altLang="en-US" dirty="0"/>
+              </a:p>
+            </p:txBody>
+          </p:sp>
+          <p:sp>
+            <p:nvSpPr>
+              <p:cNvPr id="16" name="직사각형 15">
+                <a:extLst>
+                  <a:ext uri="{FF2B5EF4-FFF2-40B4-BE49-F238E27FC236}">
+                    <a16:creationId xmlns:a16="http://schemas.microsoft.com/office/drawing/2014/main" id="{92646A98-E106-4CCE-A454-719B22384DC5}"/>
+                  </a:ext>
+                </a:extLst>
+              </p:cNvPr>
+              <p:cNvSpPr/>
+              <p:nvPr/>
+            </p:nvSpPr>
+            <p:spPr>
+              <a:xfrm>
+                <a:off x="7916244" y="5005227"/>
+                <a:ext cx="1695236" cy="647272"/>
+              </a:xfrm>
+              <a:prstGeom prst="rect">
+                <a:avLst/>
+              </a:prstGeom>
+            </p:spPr>
+            <p:style>
+              <a:lnRef idx="2">
+                <a:schemeClr val="accent1">
+                  <a:shade val="50000"/>
+                </a:schemeClr>
+              </a:lnRef>
+              <a:fillRef idx="1">
+                <a:schemeClr val="accent1"/>
+              </a:fillRef>
+              <a:effectRef idx="0">
+                <a:schemeClr val="accent1"/>
+              </a:effectRef>
+              <a:fontRef idx="minor">
+                <a:schemeClr val="lt1"/>
+              </a:fontRef>
+            </p:style>
+            <p:txBody>
+              <a:bodyPr rtlCol="0" anchor="ctr"/>
+              <a:lstStyle/>
+              <a:p>
+                <a:pPr algn="ctr"/>
+                <a:r>
+                  <a:rPr lang="en-US" altLang="ko-KR" dirty="0" err="1"/>
+                  <a:t>CreditPanel</a:t>
+                </a:r>
+                <a:r>
+                  <a:rPr lang="en-US" altLang="ko-KR" dirty="0"/>
+                  <a:t> 3</a:t>
+                </a:r>
+                <a:endParaRPr lang="ko-KR" altLang="en-US" dirty="0"/>
+              </a:p>
+            </p:txBody>
+          </p:sp>
+          <p:sp>
+            <p:nvSpPr>
+              <p:cNvPr id="17" name="직사각형 16">
+                <a:extLst>
+                  <a:ext uri="{FF2B5EF4-FFF2-40B4-BE49-F238E27FC236}">
+                    <a16:creationId xmlns:a16="http://schemas.microsoft.com/office/drawing/2014/main" id="{FD51928C-AC99-4D69-962F-B4FC7527F499}"/>
+                  </a:ext>
+                </a:extLst>
+              </p:cNvPr>
+              <p:cNvSpPr/>
+              <p:nvPr/>
+            </p:nvSpPr>
+            <p:spPr>
+              <a:xfrm>
+                <a:off x="7916244" y="5652499"/>
+                <a:ext cx="1695236" cy="647272"/>
+              </a:xfrm>
+              <a:prstGeom prst="rect">
+                <a:avLst/>
+              </a:prstGeom>
+            </p:spPr>
+            <p:style>
+              <a:lnRef idx="2">
+                <a:schemeClr val="accent1">
+                  <a:shade val="50000"/>
+                </a:schemeClr>
+              </a:lnRef>
+              <a:fillRef idx="1">
+                <a:schemeClr val="accent1"/>
+              </a:fillRef>
+              <a:effectRef idx="0">
+                <a:schemeClr val="accent1"/>
+              </a:effectRef>
+              <a:fontRef idx="minor">
+                <a:schemeClr val="lt1"/>
+              </a:fontRef>
+            </p:style>
+            <p:txBody>
+              <a:bodyPr rtlCol="0" anchor="ctr"/>
+              <a:lstStyle/>
+              <a:p>
+                <a:pPr algn="ctr"/>
+                <a:r>
+                  <a:rPr lang="en-US" altLang="ko-KR" dirty="0" err="1"/>
+                  <a:t>CreditPanel</a:t>
+                </a:r>
+                <a:r>
+                  <a:rPr lang="en-US" altLang="ko-KR" dirty="0"/>
+                  <a:t> 4</a:t>
+                </a:r>
+                <a:endParaRPr lang="ko-KR" altLang="en-US" dirty="0"/>
+              </a:p>
+            </p:txBody>
+          </p:sp>
+        </p:grpSp>
+        <p:cxnSp>
+          <p:nvCxnSpPr>
+            <p:cNvPr id="37" name="직선 화살표 연결선 36">
+              <a:extLst>
+                <a:ext uri="{FF2B5EF4-FFF2-40B4-BE49-F238E27FC236}">
+                  <a16:creationId xmlns:a16="http://schemas.microsoft.com/office/drawing/2014/main" id="{87163E9A-0212-4EB8-9734-A55F8577D5FA}"/>
+                </a:ext>
+              </a:extLst>
+            </p:cNvPr>
+            <p:cNvCxnSpPr>
+              <a:stCxn id="7" idx="3"/>
+              <a:endCxn id="13" idx="1"/>
+            </p:cNvCxnSpPr>
+            <p:nvPr/>
+          </p:nvCxnSpPr>
+          <p:spPr>
+            <a:xfrm>
+              <a:off x="4532618" y="4082265"/>
+              <a:ext cx="844195" cy="0"/>
+            </a:xfrm>
+            <a:prstGeom prst="straightConnector1">
+              <a:avLst/>
+            </a:prstGeom>
+            <a:ln>
+              <a:tailEnd type="triangle"/>
+            </a:ln>
+          </p:spPr>
+          <p:style>
+            <a:lnRef idx="1">
+              <a:schemeClr val="accent1"/>
+            </a:lnRef>
+            <a:fillRef idx="0">
+              <a:schemeClr val="accent1"/>
+            </a:fillRef>
+            <a:effectRef idx="0">
+              <a:schemeClr val="accent1"/>
+            </a:effectRef>
+            <a:fontRef idx="minor">
+              <a:schemeClr val="tx1"/>
+            </a:fontRef>
+          </p:style>
+        </p:cxnSp>
+        <p:cxnSp>
+          <p:nvCxnSpPr>
+            <p:cNvPr id="47" name="연결선: 꺾임 46">
+              <a:extLst>
+                <a:ext uri="{FF2B5EF4-FFF2-40B4-BE49-F238E27FC236}">
+                  <a16:creationId xmlns:a16="http://schemas.microsoft.com/office/drawing/2014/main" id="{F60AB8B2-70D5-42FA-B6D5-863D0DFD13F7}"/>
+                </a:ext>
+              </a:extLst>
+            </p:cNvPr>
+            <p:cNvCxnSpPr>
+              <a:stCxn id="13" idx="3"/>
+              <a:endCxn id="17" idx="1"/>
+            </p:cNvCxnSpPr>
+            <p:nvPr/>
+          </p:nvCxnSpPr>
+          <p:spPr>
+            <a:xfrm>
+              <a:off x="7072049" y="4082265"/>
+              <a:ext cx="844195" cy="1893870"/>
+            </a:xfrm>
+            <a:prstGeom prst="bentConnector3">
+              <a:avLst/>
+            </a:prstGeom>
+            <a:ln>
+              <a:tailEnd type="triangle"/>
+            </a:ln>
+          </p:spPr>
+          <p:style>
+            <a:lnRef idx="1">
+              <a:schemeClr val="accent1"/>
+            </a:lnRef>
+            <a:fillRef idx="0">
+              <a:schemeClr val="accent1"/>
+            </a:fillRef>
+            <a:effectRef idx="0">
+              <a:schemeClr val="accent1"/>
+            </a:effectRef>
+            <a:fontRef idx="minor">
+              <a:schemeClr val="tx1"/>
+            </a:fontRef>
+          </p:style>
+        </p:cxnSp>
+        <p:cxnSp>
+          <p:nvCxnSpPr>
+            <p:cNvPr id="49" name="연결선: 꺾임 48">
+              <a:extLst>
+                <a:ext uri="{FF2B5EF4-FFF2-40B4-BE49-F238E27FC236}">
+                  <a16:creationId xmlns:a16="http://schemas.microsoft.com/office/drawing/2014/main" id="{72238A01-0A19-407A-BF7F-7E5F71FB2F91}"/>
+                </a:ext>
+              </a:extLst>
+            </p:cNvPr>
+            <p:cNvCxnSpPr>
+              <a:stCxn id="13" idx="3"/>
+              <a:endCxn id="16" idx="1"/>
+            </p:cNvCxnSpPr>
+            <p:nvPr/>
+          </p:nvCxnSpPr>
+          <p:spPr>
+            <a:xfrm>
+              <a:off x="7072049" y="4082265"/>
+              <a:ext cx="844195" cy="1246598"/>
+            </a:xfrm>
+            <a:prstGeom prst="bentConnector3">
+              <a:avLst/>
+            </a:prstGeom>
+            <a:ln>
+              <a:tailEnd type="triangle"/>
+            </a:ln>
+          </p:spPr>
+          <p:style>
+            <a:lnRef idx="1">
+              <a:schemeClr val="accent1"/>
+            </a:lnRef>
+            <a:fillRef idx="0">
+              <a:schemeClr val="accent1"/>
+            </a:fillRef>
+            <a:effectRef idx="0">
+              <a:schemeClr val="accent1"/>
+            </a:effectRef>
+            <a:fontRef idx="minor">
+              <a:schemeClr val="tx1"/>
+            </a:fontRef>
+          </p:style>
+        </p:cxnSp>
+        <p:cxnSp>
+          <p:nvCxnSpPr>
+            <p:cNvPr id="51" name="연결선: 꺾임 50">
+              <a:extLst>
+                <a:ext uri="{FF2B5EF4-FFF2-40B4-BE49-F238E27FC236}">
+                  <a16:creationId xmlns:a16="http://schemas.microsoft.com/office/drawing/2014/main" id="{07E01F46-08DA-4BE6-9594-086FA13769FC}"/>
+                </a:ext>
+              </a:extLst>
+            </p:cNvPr>
+            <p:cNvCxnSpPr>
+              <a:stCxn id="13" idx="3"/>
+              <a:endCxn id="15" idx="1"/>
+            </p:cNvCxnSpPr>
+            <p:nvPr/>
+          </p:nvCxnSpPr>
+          <p:spPr>
+            <a:xfrm>
+              <a:off x="7072049" y="4082265"/>
+              <a:ext cx="844195" cy="647272"/>
+            </a:xfrm>
+            <a:prstGeom prst="bentConnector3">
+              <a:avLst/>
+            </a:prstGeom>
+            <a:ln>
+              <a:tailEnd type="triangle"/>
+            </a:ln>
+          </p:spPr>
+          <p:style>
+            <a:lnRef idx="1">
+              <a:schemeClr val="accent1"/>
+            </a:lnRef>
+            <a:fillRef idx="0">
+              <a:schemeClr val="accent1"/>
+            </a:fillRef>
+            <a:effectRef idx="0">
+              <a:schemeClr val="accent1"/>
+            </a:effectRef>
+            <a:fontRef idx="minor">
+              <a:schemeClr val="tx1"/>
+            </a:fontRef>
+          </p:style>
+        </p:cxnSp>
+        <p:cxnSp>
+          <p:nvCxnSpPr>
+            <p:cNvPr id="53" name="연결선: 꺾임 52">
+              <a:extLst>
+                <a:ext uri="{FF2B5EF4-FFF2-40B4-BE49-F238E27FC236}">
+                  <a16:creationId xmlns:a16="http://schemas.microsoft.com/office/drawing/2014/main" id="{9652FDD2-0728-4396-9626-5FFF394CE942}"/>
+                </a:ext>
+              </a:extLst>
+            </p:cNvPr>
+            <p:cNvCxnSpPr>
+              <a:stCxn id="13" idx="3"/>
+              <a:endCxn id="14" idx="1"/>
+            </p:cNvCxnSpPr>
+            <p:nvPr/>
+          </p:nvCxnSpPr>
+          <p:spPr>
+            <a:xfrm>
+              <a:off x="7072049" y="4082265"/>
+              <a:ext cx="844195" cy="12700"/>
+            </a:xfrm>
+            <a:prstGeom prst="bentConnector3">
+              <a:avLst/>
+            </a:prstGeom>
+            <a:ln>
+              <a:tailEnd type="triangle"/>
+            </a:ln>
+          </p:spPr>
+          <p:style>
+            <a:lnRef idx="1">
+              <a:schemeClr val="accent1"/>
+            </a:lnRef>
+            <a:fillRef idx="0">
+              <a:schemeClr val="accent1"/>
+            </a:fillRef>
+            <a:effectRef idx="0">
+              <a:schemeClr val="accent1"/>
+            </a:effectRef>
+            <a:fontRef idx="minor">
+              <a:schemeClr val="tx1"/>
+            </a:fontRef>
+          </p:style>
+        </p:cxnSp>
+      </p:grpSp>
+      <p:cxnSp>
+        <p:nvCxnSpPr>
+          <p:cNvPr id="61" name="연결선: 꺾임 60">
+            <a:extLst>
+              <a:ext uri="{FF2B5EF4-FFF2-40B4-BE49-F238E27FC236}">
+                <a16:creationId xmlns:a16="http://schemas.microsoft.com/office/drawing/2014/main" id="{FA52A43A-5F30-4529-9697-A7F6C8B98A34}"/>
+              </a:ext>
+            </a:extLst>
+          </p:cNvPr>
+          <p:cNvCxnSpPr>
+            <a:stCxn id="4" idx="3"/>
+            <a:endCxn id="7" idx="1"/>
+          </p:cNvCxnSpPr>
+          <p:nvPr/>
+        </p:nvCxnSpPr>
+        <p:spPr>
+          <a:xfrm>
+            <a:off x="1993187" y="503434"/>
+            <a:ext cx="844195" cy="3578831"/>
+          </a:xfrm>
+          <a:prstGeom prst="bentConnector3">
+            <a:avLst/>
+          </a:prstGeom>
+          <a:ln>
+            <a:tailEnd type="triangle"/>
+          </a:ln>
+        </p:spPr>
+        <p:style>
+          <a:lnRef idx="1">
+            <a:schemeClr val="accent1"/>
+          </a:lnRef>
+          <a:fillRef idx="0">
+            <a:schemeClr val="accent1"/>
+          </a:fillRef>
+          <a:effectRef idx="0">
+            <a:schemeClr val="accent1"/>
+          </a:effectRef>
+          <a:fontRef idx="minor">
+            <a:schemeClr val="tx1"/>
+          </a:fontRef>
+        </p:style>
+      </p:cxnSp>
+      <p:cxnSp>
+        <p:nvCxnSpPr>
+          <p:cNvPr id="63" name="연결선: 꺾임 62">
+            <a:extLst>
+              <a:ext uri="{FF2B5EF4-FFF2-40B4-BE49-F238E27FC236}">
+                <a16:creationId xmlns:a16="http://schemas.microsoft.com/office/drawing/2014/main" id="{7DA849AE-C3FF-47A7-995F-E5E06CBAE4BD}"/>
+              </a:ext>
+            </a:extLst>
+          </p:cNvPr>
+          <p:cNvCxnSpPr>
+            <a:stCxn id="4" idx="3"/>
+            <a:endCxn id="8" idx="1"/>
+          </p:cNvCxnSpPr>
+          <p:nvPr/>
+        </p:nvCxnSpPr>
+        <p:spPr>
+          <a:xfrm>
+            <a:off x="1993187" y="503434"/>
+            <a:ext cx="844195" cy="1440094"/>
+          </a:xfrm>
+          <a:prstGeom prst="bentConnector3">
+            <a:avLst/>
+          </a:prstGeom>
+          <a:ln>
+            <a:tailEnd type="triangle"/>
+          </a:ln>
+        </p:spPr>
+        <p:style>
+          <a:lnRef idx="1">
+            <a:schemeClr val="accent1"/>
+          </a:lnRef>
+          <a:fillRef idx="0">
+            <a:schemeClr val="accent1"/>
+          </a:fillRef>
+          <a:effectRef idx="0">
+            <a:schemeClr val="accent1"/>
+          </a:effectRef>
+          <a:fontRef idx="minor">
+            <a:schemeClr val="tx1"/>
+          </a:fontRef>
+        </p:style>
+      </p:cxnSp>
+      <p:cxnSp>
+        <p:nvCxnSpPr>
+          <p:cNvPr id="65" name="연결선: 꺾임 64">
+            <a:extLst>
+              <a:ext uri="{FF2B5EF4-FFF2-40B4-BE49-F238E27FC236}">
+                <a16:creationId xmlns:a16="http://schemas.microsoft.com/office/drawing/2014/main" id="{AF798A95-C29F-47F7-86D7-CC4240FD8AA7}"/>
+              </a:ext>
+            </a:extLst>
+          </p:cNvPr>
+          <p:cNvCxnSpPr>
+            <a:stCxn id="4" idx="3"/>
+            <a:endCxn id="6" idx="1"/>
+          </p:cNvCxnSpPr>
+          <p:nvPr/>
+        </p:nvCxnSpPr>
+        <p:spPr>
+          <a:xfrm>
+            <a:off x="1993187" y="503434"/>
+            <a:ext cx="844195" cy="2448674"/>
+          </a:xfrm>
+          <a:prstGeom prst="bentConnector3">
+            <a:avLst/>
+          </a:prstGeom>
+          <a:ln>
+            <a:tailEnd type="triangle"/>
+          </a:ln>
+        </p:spPr>
+        <p:style>
+          <a:lnRef idx="1">
+            <a:schemeClr val="accent1"/>
+          </a:lnRef>
+          <a:fillRef idx="0">
+            <a:schemeClr val="accent1"/>
+          </a:fillRef>
+          <a:effectRef idx="0">
+            <a:schemeClr val="accent1"/>
+          </a:effectRef>
+          <a:fontRef idx="minor">
+            <a:schemeClr val="tx1"/>
+          </a:fontRef>
+        </p:style>
+      </p:cxnSp>
+      <p:sp>
+        <p:nvSpPr>
+          <p:cNvPr id="71" name="직사각형 70">
+            <a:extLst>
+              <a:ext uri="{FF2B5EF4-FFF2-40B4-BE49-F238E27FC236}">
+                <a16:creationId xmlns:a16="http://schemas.microsoft.com/office/drawing/2014/main" id="{CED90326-80CB-405C-BA3F-2B6AE6CEA29D}"/>
+              </a:ext>
+            </a:extLst>
+          </p:cNvPr>
+          <p:cNvSpPr/>
+          <p:nvPr/>
+        </p:nvSpPr>
+        <p:spPr>
+          <a:xfrm>
+            <a:off x="2837382" y="4914475"/>
+            <a:ext cx="1695236" cy="647266"/>
+          </a:xfrm>
+          <a:prstGeom prst="rect">
+            <a:avLst/>
+          </a:prstGeom>
+        </p:spPr>
+        <p:style>
+          <a:lnRef idx="2">
+            <a:schemeClr val="accent1">
+              <a:shade val="50000"/>
+            </a:schemeClr>
+          </a:lnRef>
+          <a:fillRef idx="1">
+            <a:schemeClr val="accent1"/>
+          </a:fillRef>
+          <a:effectRef idx="0">
+            <a:schemeClr val="accent1"/>
+          </a:effectRef>
+          <a:fontRef idx="minor">
+            <a:schemeClr val="lt1"/>
+          </a:fontRef>
+        </p:style>
+        <p:txBody>
+          <a:bodyPr rtlCol="0" anchor="ctr"/>
+          <a:lstStyle/>
+          <a:p>
+            <a:pPr algn="ctr"/>
+            <a:r>
+              <a:rPr lang="en-US" altLang="ko-KR" dirty="0"/>
+              <a:t>Data</a:t>
+            </a:r>
+            <a:endParaRPr lang="ko-KR" altLang="en-US" dirty="0"/>
+          </a:p>
+        </p:txBody>
+      </p:sp>
+      <p:cxnSp>
+        <p:nvCxnSpPr>
+          <p:cNvPr id="73" name="연결선: 꺾임 72">
+            <a:extLst>
+              <a:ext uri="{FF2B5EF4-FFF2-40B4-BE49-F238E27FC236}">
+                <a16:creationId xmlns:a16="http://schemas.microsoft.com/office/drawing/2014/main" id="{F914C390-7FD9-4867-AF75-22A45FAE979E}"/>
+              </a:ext>
+            </a:extLst>
+          </p:cNvPr>
+          <p:cNvCxnSpPr>
+            <a:stCxn id="4" idx="3"/>
+            <a:endCxn id="71" idx="1"/>
+          </p:cNvCxnSpPr>
+          <p:nvPr/>
+        </p:nvCxnSpPr>
+        <p:spPr>
+          <a:xfrm>
+            <a:off x="1993187" y="503434"/>
+            <a:ext cx="844195" cy="4734674"/>
+          </a:xfrm>
+          <a:prstGeom prst="bentConnector3">
+            <a:avLst/>
+          </a:prstGeom>
+          <a:ln>
+            <a:tailEnd type="triangle"/>
+          </a:ln>
+        </p:spPr>
+        <p:style>
+          <a:lnRef idx="1">
+            <a:schemeClr val="accent1"/>
+          </a:lnRef>
+          <a:fillRef idx="0">
+            <a:schemeClr val="accent1"/>
+          </a:fillRef>
+          <a:effectRef idx="0">
+            <a:schemeClr val="accent1"/>
+          </a:effectRef>
+          <a:fontRef idx="minor">
+            <a:schemeClr val="tx1"/>
+          </a:fontRef>
+        </p:style>
+      </p:cxnSp>
+      <p:cxnSp>
+        <p:nvCxnSpPr>
+          <p:cNvPr id="77" name="연결선: 꺾임 76">
+            <a:extLst>
+              <a:ext uri="{FF2B5EF4-FFF2-40B4-BE49-F238E27FC236}">
+                <a16:creationId xmlns:a16="http://schemas.microsoft.com/office/drawing/2014/main" id="{425B5C1E-34B5-4556-BD8C-02963DA135D3}"/>
+              </a:ext>
+            </a:extLst>
+          </p:cNvPr>
+          <p:cNvCxnSpPr>
+            <a:stCxn id="12" idx="3"/>
+            <a:endCxn id="71" idx="3"/>
+          </p:cNvCxnSpPr>
+          <p:nvPr/>
+        </p:nvCxnSpPr>
+        <p:spPr>
+          <a:xfrm flipH="1">
+            <a:off x="4532618" y="2952108"/>
+            <a:ext cx="2539431" cy="2286000"/>
+          </a:xfrm>
+          <a:prstGeom prst="bentConnector3">
+            <a:avLst>
+              <a:gd name="adj1" fmla="val -9002"/>
+            </a:avLst>
+          </a:prstGeom>
+          <a:ln>
+            <a:tailEnd type="triangle"/>
+          </a:ln>
+        </p:spPr>
+        <p:style>
+          <a:lnRef idx="1">
+            <a:schemeClr val="accent1"/>
+          </a:lnRef>
+          <a:fillRef idx="0">
+            <a:schemeClr val="accent1"/>
+          </a:fillRef>
+          <a:effectRef idx="0">
+            <a:schemeClr val="accent1"/>
+          </a:effectRef>
+          <a:fontRef idx="minor">
+            <a:schemeClr val="tx1"/>
+          </a:fontRef>
+        </p:style>
+      </p:cxnSp>
+      <p:cxnSp>
+        <p:nvCxnSpPr>
+          <p:cNvPr id="79" name="연결선: 꺾임 78">
+            <a:extLst>
+              <a:ext uri="{FF2B5EF4-FFF2-40B4-BE49-F238E27FC236}">
+                <a16:creationId xmlns:a16="http://schemas.microsoft.com/office/drawing/2014/main" id="{702A7A6C-B562-4173-BDAC-45041EB1A9BE}"/>
+              </a:ext>
+            </a:extLst>
+          </p:cNvPr>
+          <p:cNvCxnSpPr>
+            <a:stCxn id="71" idx="2"/>
+            <a:endCxn id="13" idx="2"/>
+          </p:cNvCxnSpPr>
+          <p:nvPr/>
+        </p:nvCxnSpPr>
+        <p:spPr>
+          <a:xfrm rot="5400000" flipH="1" flipV="1">
+            <a:off x="4376795" y="3714105"/>
+            <a:ext cx="1155840" cy="2539431"/>
+          </a:xfrm>
+          <a:prstGeom prst="bentConnector3">
+            <a:avLst>
+              <a:gd name="adj1" fmla="val -19778"/>
+            </a:avLst>
+          </a:prstGeom>
+          <a:ln>
+            <a:tailEnd type="triangle"/>
+          </a:ln>
+        </p:spPr>
+        <p:style>
+          <a:lnRef idx="1">
+            <a:schemeClr val="accent1"/>
+          </a:lnRef>
+          <a:fillRef idx="0">
+            <a:schemeClr val="accent1"/>
+          </a:fillRef>
+          <a:effectRef idx="0">
+            <a:schemeClr val="accent1"/>
+          </a:effectRef>
+          <a:fontRef idx="minor">
+            <a:schemeClr val="tx1"/>
+          </a:fontRef>
+        </p:style>
+      </p:cxnSp>
+    </p:spTree>
+    <p:extLst>
+      <p:ext uri="{BB962C8B-B14F-4D97-AF65-F5344CB8AC3E}">
+        <p14:creationId xmlns:p14="http://schemas.microsoft.com/office/powerpoint/2010/main" val="4025424772"/>
       </p:ext>
     </p:extLst>
   </p:cSld>
